--- a/doc/upload/答辩_边走边拍.pptx
+++ b/doc/upload/答辩_边走边拍.pptx
@@ -13694,7 +13694,7 @@
         </p:nvGraphicFramePr>
         <p:xfrm>
           <a:off x="776332" y="1828237"/>
-          <a:ext cx="7597686" cy="4604810"/>
+          <a:ext cx="7597686" cy="4273469"/>
         </p:xfrm>
         <a:graphic xmlns:a="http://schemas.openxmlformats.org/drawingml/2006/main">
           <a:graphicData uri="http://schemas.openxmlformats.org/drawingml/2006/table">
@@ -13707,7 +13707,7 @@
                 <a:gridCol w="1934189"/>
                 <a:gridCol w="1862404"/>
               </a:tblGrid>
-              <a:tr h="382452">
+              <a:tr h="599530">
                 <a:tc>
                   <a:txBody>
                     <a:bodyPr/>
@@ -13877,7 +13877,7 @@
                   </a:tcPr>
                 </a:tc>
               </a:tr>
-              <a:tr h="415001">
+              <a:tr h="666932">
                 <a:tc>
                   <a:txBody>
                     <a:bodyPr/>
@@ -14053,7 +14053,7 @@
                   </a:tcPr>
                 </a:tc>
               </a:tr>
-              <a:tr h="640515">
+              <a:tr h="751262">
                 <a:tc>
                   <a:txBody>
                     <a:bodyPr/>
@@ -14072,10 +14072,7 @@
                         </a:defRPr>
                       </a:pPr>
                       <a:r>
-                        <a:t>实现</a:t>
-                      </a:r>
-                      <a:r>
-                        <a:t>动态展示行走轨迹和相关的照片</a:t>
+                        <a:t>展示行走轨迹和相关的照片</a:t>
                       </a:r>
                     </a:p>
                   </a:txBody>
@@ -14228,7 +14225,7 @@
                   </a:tcPr>
                 </a:tc>
               </a:tr>
-              <a:tr h="415001">
+              <a:tr h="798451">
                 <a:tc>
                   <a:txBody>
                     <a:bodyPr/>
@@ -14404,7 +14401,7 @@
                   </a:tcPr>
                 </a:tc>
               </a:tr>
-              <a:tr h="870690">
+              <a:tr h="784007">
                 <a:tc>
                   <a:txBody>
                     <a:bodyPr/>
@@ -14580,7 +14577,7 @@
                   </a:tcPr>
                 </a:tc>
               </a:tr>
-              <a:tr h="415001">
+              <a:tr h="666932">
                 <a:tc>
                   <a:txBody>
                     <a:bodyPr/>
@@ -14604,531 +14601,6 @@
                           <a:cs typeface="Times New Roman"/>
                         </a:rPr>
                         <a:t>对照片进行美化和装饰</a:t>
-                      </a:r>
-                    </a:p>
-                  </a:txBody>
-                  <a:tcPr marL="50800" marR="50800" marT="50800" marB="50800" anchor="t" anchorCtr="0" horzOverflow="overflow">
-                    <a:lnL w="6350">
-                      <a:solidFill>
-                        <a:srgbClr val="000000"/>
-                      </a:solidFill>
-                      <a:miter lim="400000"/>
-                    </a:lnL>
-                    <a:lnR w="6350">
-                      <a:solidFill>
-                        <a:srgbClr val="000000"/>
-                      </a:solidFill>
-                      <a:miter lim="400000"/>
-                    </a:lnR>
-                    <a:lnT w="6350">
-                      <a:solidFill>
-                        <a:srgbClr val="000000"/>
-                      </a:solidFill>
-                      <a:miter lim="400000"/>
-                    </a:lnT>
-                    <a:lnB w="6350">
-                      <a:solidFill>
-                        <a:srgbClr val="000000"/>
-                      </a:solidFill>
-                      <a:miter lim="400000"/>
-                    </a:lnB>
-                    <a:solidFill>
-                      <a:srgbClr val="000000">
-                        <a:alpha val="0"/>
-                      </a:srgbClr>
-                    </a:solidFill>
-                  </a:tcPr>
-                </a:tc>
-                <a:tc>
-                  <a:txBody>
-                    <a:bodyPr/>
-                    <a:lstStyle/>
-                    <a:p>
-                      <a:pPr algn="ctr" defTabSz="269875">
-                        <a:lnSpc>
-                          <a:spcPct val="200000"/>
-                        </a:lnSpc>
-                        <a:defRPr sz="1800"/>
-                      </a:pPr>
-                      <a:r>
-                        <a:rPr sz="1512">
-                          <a:uFill>
-                            <a:solidFill>
-                              <a:srgbClr val="000000"/>
-                            </a:solidFill>
-                          </a:uFill>
-                          <a:latin typeface="Times New Roman"/>
-                          <a:ea typeface="Times New Roman"/>
-                          <a:cs typeface="Times New Roman"/>
-                        </a:rPr>
-                        <a:t>☑️</a:t>
-                      </a:r>
-                    </a:p>
-                  </a:txBody>
-                  <a:tcPr marL="50800" marR="50800" marT="50800" marB="50800" anchor="t" anchorCtr="0" horzOverflow="overflow">
-                    <a:lnL w="6350">
-                      <a:solidFill>
-                        <a:srgbClr val="000000"/>
-                      </a:solidFill>
-                      <a:miter lim="400000"/>
-                    </a:lnL>
-                    <a:lnR w="6350">
-                      <a:solidFill>
-                        <a:srgbClr val="000000"/>
-                      </a:solidFill>
-                      <a:miter lim="400000"/>
-                    </a:lnR>
-                    <a:lnT w="6350">
-                      <a:solidFill>
-                        <a:srgbClr val="000000"/>
-                      </a:solidFill>
-                      <a:miter lim="400000"/>
-                    </a:lnT>
-                    <a:lnB w="6350">
-                      <a:solidFill>
-                        <a:srgbClr val="000000"/>
-                      </a:solidFill>
-                      <a:miter lim="400000"/>
-                    </a:lnB>
-                    <a:solidFill>
-                      <a:srgbClr val="000000">
-                        <a:alpha val="0"/>
-                      </a:srgbClr>
-                    </a:solidFill>
-                  </a:tcPr>
-                </a:tc>
-                <a:tc>
-                  <a:txBody>
-                    <a:bodyPr/>
-                    <a:lstStyle/>
-                    <a:p>
-                      <a:pPr algn="ctr" defTabSz="269875">
-                        <a:lnSpc>
-                          <a:spcPct val="200000"/>
-                        </a:lnSpc>
-                        <a:defRPr sz="1800"/>
-                      </a:pPr>
-                      <a:r>
-                        <a:rPr sz="1512">
-                          <a:uFill>
-                            <a:solidFill>
-                              <a:srgbClr val="000000"/>
-                            </a:solidFill>
-                          </a:uFill>
-                          <a:latin typeface="Times New Roman"/>
-                          <a:ea typeface="Times New Roman"/>
-                          <a:cs typeface="Times New Roman"/>
-                        </a:rPr>
-                        <a:t>✖️</a:t>
-                      </a:r>
-                    </a:p>
-                  </a:txBody>
-                  <a:tcPr marL="50800" marR="50800" marT="50800" marB="50800" anchor="t" anchorCtr="0" horzOverflow="overflow">
-                    <a:lnL w="6350">
-                      <a:solidFill>
-                        <a:srgbClr val="000000"/>
-                      </a:solidFill>
-                      <a:miter lim="400000"/>
-                    </a:lnL>
-                    <a:lnR w="6350">
-                      <a:solidFill>
-                        <a:srgbClr val="000000"/>
-                      </a:solidFill>
-                      <a:miter lim="400000"/>
-                    </a:lnR>
-                    <a:lnT w="6350">
-                      <a:solidFill>
-                        <a:srgbClr val="000000"/>
-                      </a:solidFill>
-                      <a:miter lim="400000"/>
-                    </a:lnT>
-                    <a:lnB w="6350">
-                      <a:solidFill>
-                        <a:srgbClr val="000000"/>
-                      </a:solidFill>
-                      <a:miter lim="400000"/>
-                    </a:lnB>
-                    <a:solidFill>
-                      <a:srgbClr val="000000">
-                        <a:alpha val="0"/>
-                      </a:srgbClr>
-                    </a:solidFill>
-                  </a:tcPr>
-                </a:tc>
-              </a:tr>
-              <a:tr h="415001">
-                <a:tc>
-                  <a:txBody>
-                    <a:bodyPr/>
-                    <a:lstStyle/>
-                    <a:p>
-                      <a:pPr algn="ctr" defTabSz="269875">
-                        <a:lnSpc>
-                          <a:spcPct val="200000"/>
-                        </a:lnSpc>
-                        <a:defRPr sz="1800"/>
-                      </a:pPr>
-                      <a:r>
-                        <a:rPr sz="1512">
-                          <a:uFill>
-                            <a:solidFill>
-                              <a:srgbClr val="000000"/>
-                            </a:solidFill>
-                          </a:uFill>
-                          <a:latin typeface="Times New Roman"/>
-                          <a:ea typeface="Times New Roman"/>
-                          <a:cs typeface="Times New Roman"/>
-                        </a:rPr>
-                        <a:t>可撰写美文或小诗</a:t>
-                      </a:r>
-                    </a:p>
-                  </a:txBody>
-                  <a:tcPr marL="50800" marR="50800" marT="50800" marB="50800" anchor="t" anchorCtr="0" horzOverflow="overflow">
-                    <a:lnL w="6350">
-                      <a:solidFill>
-                        <a:srgbClr val="000000"/>
-                      </a:solidFill>
-                      <a:miter lim="400000"/>
-                    </a:lnL>
-                    <a:lnR w="6350">
-                      <a:solidFill>
-                        <a:srgbClr val="000000"/>
-                      </a:solidFill>
-                      <a:miter lim="400000"/>
-                    </a:lnR>
-                    <a:lnT w="6350">
-                      <a:solidFill>
-                        <a:srgbClr val="000000"/>
-                      </a:solidFill>
-                      <a:miter lim="400000"/>
-                    </a:lnT>
-                    <a:lnB w="6350">
-                      <a:solidFill>
-                        <a:srgbClr val="000000"/>
-                      </a:solidFill>
-                      <a:miter lim="400000"/>
-                    </a:lnB>
-                    <a:solidFill>
-                      <a:srgbClr val="000000">
-                        <a:alpha val="0"/>
-                      </a:srgbClr>
-                    </a:solidFill>
-                  </a:tcPr>
-                </a:tc>
-                <a:tc>
-                  <a:txBody>
-                    <a:bodyPr/>
-                    <a:lstStyle/>
-                    <a:p>
-                      <a:pPr algn="ctr" defTabSz="269875">
-                        <a:lnSpc>
-                          <a:spcPct val="200000"/>
-                        </a:lnSpc>
-                        <a:defRPr sz="1800"/>
-                      </a:pPr>
-                      <a:r>
-                        <a:rPr sz="1512">
-                          <a:uFill>
-                            <a:solidFill>
-                              <a:srgbClr val="000000"/>
-                            </a:solidFill>
-                          </a:uFill>
-                          <a:latin typeface="Times New Roman"/>
-                          <a:ea typeface="Times New Roman"/>
-                          <a:cs typeface="Times New Roman"/>
-                        </a:rPr>
-                        <a:t>☑️</a:t>
-                      </a:r>
-                    </a:p>
-                  </a:txBody>
-                  <a:tcPr marL="50800" marR="50800" marT="50800" marB="50800" anchor="t" anchorCtr="0" horzOverflow="overflow">
-                    <a:lnL w="6350">
-                      <a:solidFill>
-                        <a:srgbClr val="000000"/>
-                      </a:solidFill>
-                      <a:miter lim="400000"/>
-                    </a:lnL>
-                    <a:lnR w="6350">
-                      <a:solidFill>
-                        <a:srgbClr val="000000"/>
-                      </a:solidFill>
-                      <a:miter lim="400000"/>
-                    </a:lnR>
-                    <a:lnT w="6350">
-                      <a:solidFill>
-                        <a:srgbClr val="000000"/>
-                      </a:solidFill>
-                      <a:miter lim="400000"/>
-                    </a:lnT>
-                    <a:lnB w="6350">
-                      <a:solidFill>
-                        <a:srgbClr val="000000"/>
-                      </a:solidFill>
-                      <a:miter lim="400000"/>
-                    </a:lnB>
-                    <a:solidFill>
-                      <a:srgbClr val="000000">
-                        <a:alpha val="0"/>
-                      </a:srgbClr>
-                    </a:solidFill>
-                  </a:tcPr>
-                </a:tc>
-                <a:tc>
-                  <a:txBody>
-                    <a:bodyPr/>
-                    <a:lstStyle/>
-                    <a:p>
-                      <a:pPr algn="ctr" defTabSz="269875">
-                        <a:lnSpc>
-                          <a:spcPct val="200000"/>
-                        </a:lnSpc>
-                        <a:defRPr sz="1800"/>
-                      </a:pPr>
-                      <a:r>
-                        <a:rPr sz="1512">
-                          <a:uFill>
-                            <a:solidFill>
-                              <a:srgbClr val="000000"/>
-                            </a:solidFill>
-                          </a:uFill>
-                          <a:latin typeface="Times New Roman"/>
-                          <a:ea typeface="Times New Roman"/>
-                          <a:cs typeface="Times New Roman"/>
-                        </a:rPr>
-                        <a:t>✖️</a:t>
-                      </a:r>
-                    </a:p>
-                  </a:txBody>
-                  <a:tcPr marL="50800" marR="50800" marT="50800" marB="50800" anchor="t" anchorCtr="0" horzOverflow="overflow">
-                    <a:lnL w="6350">
-                      <a:solidFill>
-                        <a:srgbClr val="000000"/>
-                      </a:solidFill>
-                      <a:miter lim="400000"/>
-                    </a:lnL>
-                    <a:lnR w="6350">
-                      <a:solidFill>
-                        <a:srgbClr val="000000"/>
-                      </a:solidFill>
-                      <a:miter lim="400000"/>
-                    </a:lnR>
-                    <a:lnT w="6350">
-                      <a:solidFill>
-                        <a:srgbClr val="000000"/>
-                      </a:solidFill>
-                      <a:miter lim="400000"/>
-                    </a:lnT>
-                    <a:lnB w="6350">
-                      <a:solidFill>
-                        <a:srgbClr val="000000"/>
-                      </a:solidFill>
-                      <a:miter lim="400000"/>
-                    </a:lnB>
-                    <a:solidFill>
-                      <a:srgbClr val="000000">
-                        <a:alpha val="0"/>
-                      </a:srgbClr>
-                    </a:solidFill>
-                  </a:tcPr>
-                </a:tc>
-              </a:tr>
-              <a:tr h="640515">
-                <a:tc>
-                  <a:txBody>
-                    <a:bodyPr/>
-                    <a:lstStyle/>
-                    <a:p>
-                      <a:pPr algn="ctr" defTabSz="269875">
-                        <a:defRPr sz="1800"/>
-                      </a:pPr>
-                      <a:r>
-                        <a:rPr sz="1512">
-                          <a:uFill>
-                            <a:solidFill>
-                              <a:srgbClr val="000000"/>
-                            </a:solidFill>
-                          </a:uFill>
-                          <a:latin typeface="Times New Roman"/>
-                          <a:ea typeface="Times New Roman"/>
-                          <a:cs typeface="Times New Roman"/>
-                        </a:rPr>
-                        <a:t>不同时间上同一位置的照片对比</a:t>
-                      </a:r>
-                    </a:p>
-                  </a:txBody>
-                  <a:tcPr marL="50800" marR="50800" marT="50800" marB="50800" anchor="t" anchorCtr="0" horzOverflow="overflow">
-                    <a:lnL w="6350">
-                      <a:solidFill>
-                        <a:srgbClr val="000000"/>
-                      </a:solidFill>
-                      <a:miter lim="400000"/>
-                    </a:lnL>
-                    <a:lnR w="6350">
-                      <a:solidFill>
-                        <a:srgbClr val="000000"/>
-                      </a:solidFill>
-                      <a:miter lim="400000"/>
-                    </a:lnR>
-                    <a:lnT w="6350">
-                      <a:solidFill>
-                        <a:srgbClr val="000000"/>
-                      </a:solidFill>
-                      <a:miter lim="400000"/>
-                    </a:lnT>
-                    <a:lnB w="6350">
-                      <a:solidFill>
-                        <a:srgbClr val="000000"/>
-                      </a:solidFill>
-                      <a:miter lim="400000"/>
-                    </a:lnB>
-                    <a:solidFill>
-                      <a:srgbClr val="000000">
-                        <a:alpha val="0"/>
-                      </a:srgbClr>
-                    </a:solidFill>
-                  </a:tcPr>
-                </a:tc>
-                <a:tc>
-                  <a:txBody>
-                    <a:bodyPr/>
-                    <a:lstStyle/>
-                    <a:p>
-                      <a:pPr algn="ctr" defTabSz="269875">
-                        <a:lnSpc>
-                          <a:spcPct val="200000"/>
-                        </a:lnSpc>
-                        <a:defRPr sz="1800"/>
-                      </a:pPr>
-                      <a:r>
-                        <a:rPr sz="1512">
-                          <a:uFill>
-                            <a:solidFill>
-                              <a:srgbClr val="000000"/>
-                            </a:solidFill>
-                          </a:uFill>
-                          <a:latin typeface="Times New Roman"/>
-                          <a:ea typeface="Times New Roman"/>
-                          <a:cs typeface="Times New Roman"/>
-                        </a:rPr>
-                        <a:t>☑️</a:t>
-                      </a:r>
-                    </a:p>
-                  </a:txBody>
-                  <a:tcPr marL="50800" marR="50800" marT="50800" marB="50800" anchor="t" anchorCtr="0" horzOverflow="overflow">
-                    <a:lnL w="6350">
-                      <a:solidFill>
-                        <a:srgbClr val="000000"/>
-                      </a:solidFill>
-                      <a:miter lim="400000"/>
-                    </a:lnL>
-                    <a:lnR w="6350">
-                      <a:solidFill>
-                        <a:srgbClr val="000000"/>
-                      </a:solidFill>
-                      <a:miter lim="400000"/>
-                    </a:lnR>
-                    <a:lnT w="6350">
-                      <a:solidFill>
-                        <a:srgbClr val="000000"/>
-                      </a:solidFill>
-                      <a:miter lim="400000"/>
-                    </a:lnT>
-                    <a:lnB w="6350">
-                      <a:solidFill>
-                        <a:srgbClr val="000000"/>
-                      </a:solidFill>
-                      <a:miter lim="400000"/>
-                    </a:lnB>
-                    <a:solidFill>
-                      <a:srgbClr val="000000">
-                        <a:alpha val="0"/>
-                      </a:srgbClr>
-                    </a:solidFill>
-                  </a:tcPr>
-                </a:tc>
-                <a:tc>
-                  <a:txBody>
-                    <a:bodyPr/>
-                    <a:lstStyle/>
-                    <a:p>
-                      <a:pPr algn="ctr" defTabSz="269875">
-                        <a:lnSpc>
-                          <a:spcPct val="200000"/>
-                        </a:lnSpc>
-                        <a:defRPr sz="1800"/>
-                      </a:pPr>
-                      <a:r>
-                        <a:rPr sz="1512">
-                          <a:uFill>
-                            <a:solidFill>
-                              <a:srgbClr val="000000"/>
-                            </a:solidFill>
-                          </a:uFill>
-                          <a:latin typeface="Times New Roman"/>
-                          <a:ea typeface="Times New Roman"/>
-                          <a:cs typeface="Times New Roman"/>
-                        </a:rPr>
-                        <a:t>✖️</a:t>
-                      </a:r>
-                    </a:p>
-                  </a:txBody>
-                  <a:tcPr marL="50800" marR="50800" marT="50800" marB="50800" anchor="t" anchorCtr="0" horzOverflow="overflow">
-                    <a:lnL w="6350">
-                      <a:solidFill>
-                        <a:srgbClr val="000000"/>
-                      </a:solidFill>
-                      <a:miter lim="400000"/>
-                    </a:lnL>
-                    <a:lnR w="6350">
-                      <a:solidFill>
-                        <a:srgbClr val="000000"/>
-                      </a:solidFill>
-                      <a:miter lim="400000"/>
-                    </a:lnR>
-                    <a:lnT w="6350">
-                      <a:solidFill>
-                        <a:srgbClr val="000000"/>
-                      </a:solidFill>
-                      <a:miter lim="400000"/>
-                    </a:lnT>
-                    <a:lnB w="6350">
-                      <a:solidFill>
-                        <a:srgbClr val="000000"/>
-                      </a:solidFill>
-                      <a:miter lim="400000"/>
-                    </a:lnB>
-                    <a:solidFill>
-                      <a:srgbClr val="000000">
-                        <a:alpha val="0"/>
-                      </a:srgbClr>
-                    </a:solidFill>
-                  </a:tcPr>
-                </a:tc>
-              </a:tr>
-              <a:tr h="415001">
-                <a:tc>
-                  <a:txBody>
-                    <a:bodyPr/>
-                    <a:lstStyle/>
-                    <a:p>
-                      <a:pPr algn="ctr" defTabSz="269875">
-                        <a:lnSpc>
-                          <a:spcPct val="200000"/>
-                        </a:lnSpc>
-                        <a:defRPr sz="1800"/>
-                      </a:pPr>
-                      <a:r>
-                        <a:rPr sz="1512">
-                          <a:uFill>
-                            <a:solidFill>
-                              <a:srgbClr val="000000"/>
-                            </a:solidFill>
-                          </a:uFill>
-                          <a:latin typeface="Times New Roman"/>
-                          <a:ea typeface="Times New Roman"/>
-                          <a:cs typeface="Times New Roman"/>
-                        </a:rPr>
-                        <a:t>支持两种手机操作系统</a:t>
                       </a:r>
                     </a:p>
                   </a:txBody>
